--- a/thesis_defense.pptx
+++ b/thesis_defense.pptx
@@ -12215,12 +12215,28 @@
               <a:buNone/>
             </a:pPr>
             <a:r>
-              <a:rPr lang="en-US" sz="1200" b="1">
+              <a:rPr lang="en-US" sz="1200" b="1" dirty="0" smtClean="0">
                 <a:solidFill>
                   <a:srgbClr val="33006F"/>
                 </a:solidFill>
               </a:rPr>
-              <a:t>April 14, 2015</a:t>
+              <a:t>March 16</a:t>
+            </a:r>
+            <a:r>
+              <a:rPr lang="en-US" sz="1200" b="1" baseline="30000" dirty="0" smtClean="0">
+                <a:solidFill>
+                  <a:srgbClr val="33006F"/>
+                </a:solidFill>
+              </a:rPr>
+              <a:t>th</a:t>
+            </a:r>
+            <a:r>
+              <a:rPr lang="en-US" sz="1200" b="1" dirty="0" smtClean="0">
+                <a:solidFill>
+                  <a:srgbClr val="33006F"/>
+                </a:solidFill>
+              </a:rPr>
+              <a:t>, 2015</a:t>
             </a:r>
           </a:p>
         </p:txBody>
